--- a/study/14. Docker Remote API 사용하기/Docker Remote API 사용하기.pptx
+++ b/study/14. Docker Remote API 사용하기/Docker Remote API 사용하기.pptx
@@ -240,7 +240,7 @@
           <a:p>
             <a:fld id="{A4CBD0C1-894D-4A2A-BDA5-78F0F2956493}" type="datetimeFigureOut">
               <a:rPr lang="ko-KR" altLang="en-US" smtClean="0"/>
-              <a:t>2020-07-16</a:t>
+              <a:t>2020-08-03</a:t>
             </a:fld>
             <a:endParaRPr lang="ko-KR" altLang="en-US"/>
           </a:p>
@@ -1229,7 +1229,7 @@
           <a:p>
             <a:fld id="{B6FB7DCD-5BA3-48A2-BE8C-591555253DD2}" type="datetimeFigureOut">
               <a:rPr lang="ko-KR" altLang="en-US" smtClean="0"/>
-              <a:t>2020-07-16</a:t>
+              <a:t>2020-08-03</a:t>
             </a:fld>
             <a:endParaRPr lang="ko-KR" altLang="en-US"/>
           </a:p>
@@ -1480,7 +1480,7 @@
           <a:p>
             <a:fld id="{B6FB7DCD-5BA3-48A2-BE8C-591555253DD2}" type="datetimeFigureOut">
               <a:rPr lang="ko-KR" altLang="en-US" smtClean="0"/>
-              <a:t>2020-07-16</a:t>
+              <a:t>2020-08-03</a:t>
             </a:fld>
             <a:endParaRPr lang="ko-KR" altLang="en-US"/>
           </a:p>
@@ -1794,7 +1794,7 @@
           <a:p>
             <a:fld id="{B6FB7DCD-5BA3-48A2-BE8C-591555253DD2}" type="datetimeFigureOut">
               <a:rPr lang="ko-KR" altLang="en-US" smtClean="0"/>
-              <a:t>2020-07-16</a:t>
+              <a:t>2020-08-03</a:t>
             </a:fld>
             <a:endParaRPr lang="ko-KR" altLang="en-US"/>
           </a:p>
@@ -2135,7 +2135,7 @@
           <a:p>
             <a:fld id="{B6FB7DCD-5BA3-48A2-BE8C-591555253DD2}" type="datetimeFigureOut">
               <a:rPr lang="ko-KR" altLang="en-US" smtClean="0"/>
-              <a:t>2020-07-16</a:t>
+              <a:t>2020-08-03</a:t>
             </a:fld>
             <a:endParaRPr lang="ko-KR" altLang="en-US"/>
           </a:p>
@@ -2449,7 +2449,7 @@
           <a:p>
             <a:fld id="{B6FB7DCD-5BA3-48A2-BE8C-591555253DD2}" type="datetimeFigureOut">
               <a:rPr lang="ko-KR" altLang="en-US" smtClean="0"/>
-              <a:t>2020-07-16</a:t>
+              <a:t>2020-08-03</a:t>
             </a:fld>
             <a:endParaRPr lang="ko-KR" altLang="en-US"/>
           </a:p>
@@ -2842,7 +2842,7 @@
           <a:p>
             <a:fld id="{B6FB7DCD-5BA3-48A2-BE8C-591555253DD2}" type="datetimeFigureOut">
               <a:rPr lang="ko-KR" altLang="en-US" smtClean="0"/>
-              <a:t>2020-07-16</a:t>
+              <a:t>2020-08-03</a:t>
             </a:fld>
             <a:endParaRPr lang="ko-KR" altLang="en-US"/>
           </a:p>
@@ -3012,7 +3012,7 @@
           <a:p>
             <a:fld id="{B6FB7DCD-5BA3-48A2-BE8C-591555253DD2}" type="datetimeFigureOut">
               <a:rPr lang="ko-KR" altLang="en-US" smtClean="0"/>
-              <a:t>2020-07-16</a:t>
+              <a:t>2020-08-03</a:t>
             </a:fld>
             <a:endParaRPr lang="ko-KR" altLang="en-US"/>
           </a:p>
@@ -3192,7 +3192,7 @@
           <a:p>
             <a:fld id="{B6FB7DCD-5BA3-48A2-BE8C-591555253DD2}" type="datetimeFigureOut">
               <a:rPr lang="ko-KR" altLang="en-US" smtClean="0"/>
-              <a:t>2020-07-16</a:t>
+              <a:t>2020-08-03</a:t>
             </a:fld>
             <a:endParaRPr lang="ko-KR" altLang="en-US"/>
           </a:p>
@@ -3368,7 +3368,7 @@
           <a:p>
             <a:fld id="{B6FB7DCD-5BA3-48A2-BE8C-591555253DD2}" type="datetimeFigureOut">
               <a:rPr lang="ko-KR" altLang="en-US" smtClean="0"/>
-              <a:t>2020-07-16</a:t>
+              <a:t>2020-08-03</a:t>
             </a:fld>
             <a:endParaRPr lang="ko-KR" altLang="en-US"/>
           </a:p>
@@ -3615,7 +3615,7 @@
           <a:p>
             <a:fld id="{B6FB7DCD-5BA3-48A2-BE8C-591555253DD2}" type="datetimeFigureOut">
               <a:rPr lang="ko-KR" altLang="en-US" smtClean="0"/>
-              <a:t>2020-07-16</a:t>
+              <a:t>2020-08-03</a:t>
             </a:fld>
             <a:endParaRPr lang="ko-KR" altLang="en-US"/>
           </a:p>
@@ -3847,7 +3847,7 @@
           <a:p>
             <a:fld id="{B6FB7DCD-5BA3-48A2-BE8C-591555253DD2}" type="datetimeFigureOut">
               <a:rPr lang="ko-KR" altLang="en-US" smtClean="0"/>
-              <a:t>2020-07-16</a:t>
+              <a:t>2020-08-03</a:t>
             </a:fld>
             <a:endParaRPr lang="ko-KR" altLang="en-US"/>
           </a:p>
@@ -4221,7 +4221,7 @@
           <a:p>
             <a:fld id="{B6FB7DCD-5BA3-48A2-BE8C-591555253DD2}" type="datetimeFigureOut">
               <a:rPr lang="ko-KR" altLang="en-US" smtClean="0"/>
-              <a:t>2020-07-16</a:t>
+              <a:t>2020-08-03</a:t>
             </a:fld>
             <a:endParaRPr lang="ko-KR" altLang="en-US"/>
           </a:p>
@@ -4344,7 +4344,7 @@
           <a:p>
             <a:fld id="{B6FB7DCD-5BA3-48A2-BE8C-591555253DD2}" type="datetimeFigureOut">
               <a:rPr lang="ko-KR" altLang="en-US" smtClean="0"/>
-              <a:t>2020-07-16</a:t>
+              <a:t>2020-08-03</a:t>
             </a:fld>
             <a:endParaRPr lang="ko-KR" altLang="en-US"/>
           </a:p>
@@ -4439,7 +4439,7 @@
           <a:p>
             <a:fld id="{B6FB7DCD-5BA3-48A2-BE8C-591555253DD2}" type="datetimeFigureOut">
               <a:rPr lang="ko-KR" altLang="en-US" smtClean="0"/>
-              <a:t>2020-07-16</a:t>
+              <a:t>2020-08-03</a:t>
             </a:fld>
             <a:endParaRPr lang="ko-KR" altLang="en-US"/>
           </a:p>
@@ -4694,7 +4694,7 @@
           <a:p>
             <a:fld id="{B6FB7DCD-5BA3-48A2-BE8C-591555253DD2}" type="datetimeFigureOut">
               <a:rPr lang="ko-KR" altLang="en-US" smtClean="0"/>
-              <a:t>2020-07-16</a:t>
+              <a:t>2020-08-03</a:t>
             </a:fld>
             <a:endParaRPr lang="ko-KR" altLang="en-US"/>
           </a:p>
@@ -4957,7 +4957,7 @@
           <a:p>
             <a:fld id="{B6FB7DCD-5BA3-48A2-BE8C-591555253DD2}" type="datetimeFigureOut">
               <a:rPr lang="ko-KR" altLang="en-US" smtClean="0"/>
-              <a:t>2020-07-16</a:t>
+              <a:t>2020-08-03</a:t>
             </a:fld>
             <a:endParaRPr lang="ko-KR" altLang="en-US"/>
           </a:p>
@@ -5700,7 +5700,7 @@
           <a:p>
             <a:fld id="{B6FB7DCD-5BA3-48A2-BE8C-591555253DD2}" type="datetimeFigureOut">
               <a:rPr lang="ko-KR" altLang="en-US" smtClean="0"/>
-              <a:t>2020-07-16</a:t>
+              <a:t>2020-08-03</a:t>
             </a:fld>
             <a:endParaRPr lang="ko-KR" altLang="en-US"/>
           </a:p>
@@ -9877,7 +9877,7 @@
         </p:blipFill>
         <p:spPr>
           <a:xfrm>
-            <a:off x="494398" y="1915362"/>
+            <a:off x="494398" y="1924240"/>
             <a:ext cx="5432762" cy="1747606"/>
           </a:xfrm>
           <a:prstGeom prst="rect">
